--- a/docs/Presentación Final.pptx
+++ b/docs/Presentación Final.pptx
@@ -944,7 +944,7 @@
           <a:p>
             <a:fld id="{C764DE79-268F-4C1A-8933-263129D2AF90}" type="datetimeFigureOut">
               <a:rPr lang="en-US" dirty="0"/>
-              <a:t>11/7/24</a:t>
+              <a:t>12/4/2024</a:t>
             </a:fld>
             <a:endParaRPr lang="en-US" dirty="0"/>
           </a:p>
@@ -1361,38 +1361,19 @@
         <p:spPr/>
         <p:txBody>
           <a:bodyPr>
-            <a:normAutofit fontScale="90000"/>
+            <a:noAutofit/>
           </a:bodyPr>
           <a:lstStyle/>
           <a:p>
             <a:r>
-              <a:rPr lang="es-ES" dirty="0"/>
-              <a:t>Propuesta de </a:t>
-            </a:r>
-            <a:r>
-              <a:rPr dirty="0" err="1"/>
-              <a:t>Paralelización</a:t>
-            </a:r>
-            <a:r>
-              <a:rPr dirty="0"/>
-              <a:t> del </a:t>
-            </a:r>
-            <a:r>
-              <a:rPr dirty="0" err="1"/>
-              <a:t>Algoritmo</a:t>
-            </a:r>
-            <a:r>
-              <a:rPr dirty="0"/>
-              <a:t> Monte Carlo para </a:t>
-            </a:r>
-            <a:r>
-              <a:rPr dirty="0" err="1"/>
-              <a:t>Aproximación</a:t>
-            </a:r>
-            <a:r>
-              <a:rPr dirty="0"/>
-              <a:t> de π</a:t>
-            </a:r>
+              <a:rPr lang="es-ES" sz="4800"/>
+              <a:t>Diseño e Implementación Paralela del Algoritmo Monte Carlo para el Cálculo de </a:t>
+            </a:r>
+            <a:r>
+              <a:rPr sz="4800"/>
+              <a:t>π</a:t>
+            </a:r>
+            <a:endParaRPr sz="4800" dirty="0"/>
           </a:p>
         </p:txBody>
       </p:sp>
@@ -1419,20 +1400,33 @@
           </a:xfrm>
         </p:spPr>
         <p:txBody>
-          <a:bodyPr/>
+          <a:bodyPr>
+            <a:normAutofit/>
+          </a:bodyPr>
           <a:lstStyle/>
           <a:p>
             <a:r>
-              <a:rPr lang="es-ES" dirty="0"/>
+              <a:rPr lang="es-ES" b="1"/>
               <a:t>Programación Paralela</a:t>
             </a:r>
           </a:p>
           <a:p>
             <a:r>
-              <a:rPr lang="es-ES" dirty="0"/>
-              <a:t>José Benavente</a:t>
-            </a:r>
-            <a:endParaRPr dirty="0"/>
+              <a:rPr lang="es-ES" sz="1400"/>
+              <a:t>Profesor: Alejandro Valdés</a:t>
+            </a:r>
+            <a:endParaRPr lang="es-ES" sz="1400" dirty="0"/>
+          </a:p>
+          <a:p>
+            <a:r>
+              <a:rPr lang="es-ES" sz="1400"/>
+              <a:t>Alumno: José </a:t>
+            </a:r>
+            <a:r>
+              <a:rPr lang="es-ES" sz="1400" dirty="0"/>
+              <a:t>Benavente</a:t>
+            </a:r>
+            <a:endParaRPr sz="1400" dirty="0"/>
           </a:p>
         </p:txBody>
       </p:sp>
@@ -2756,7 +2750,7 @@
         </p:nvSpPr>
         <p:spPr>
           <a:xfrm>
-            <a:off x="838200" y="2834615"/>
+            <a:off x="838200" y="2236410"/>
             <a:ext cx="10515600" cy="1561831"/>
           </a:xfrm>
         </p:spPr>
@@ -2769,95 +2763,6 @@
             <a:pPr>
               <a:defRPr sz="1800"/>
             </a:pPr>
-            <a:r>
-              <a:rPr sz="2400" b="1" dirty="0" err="1"/>
-              <a:t>Objetivo</a:t>
-            </a:r>
-            <a:r>
-              <a:rPr sz="2400" dirty="0"/>
-              <a:t>: </a:t>
-            </a:r>
-            <a:r>
-              <a:rPr sz="2400" dirty="0" err="1"/>
-              <a:t>Optimizar</a:t>
-            </a:r>
-            <a:r>
-              <a:rPr sz="2400" dirty="0"/>
-              <a:t> la </a:t>
-            </a:r>
-            <a:r>
-              <a:rPr sz="2400" dirty="0" err="1"/>
-              <a:t>implementación</a:t>
-            </a:r>
-            <a:r>
-              <a:rPr sz="2400" dirty="0"/>
-              <a:t> </a:t>
-            </a:r>
-            <a:r>
-              <a:rPr sz="2400" dirty="0" err="1"/>
-              <a:t>secuencial</a:t>
-            </a:r>
-            <a:r>
-              <a:rPr sz="2400" dirty="0"/>
-              <a:t> del </a:t>
-            </a:r>
-            <a:r>
-              <a:rPr sz="2400" dirty="0" err="1"/>
-              <a:t>algoritmo</a:t>
-            </a:r>
-            <a:r>
-              <a:rPr sz="2400" dirty="0"/>
-              <a:t> Monte Carlo para </a:t>
-            </a:r>
-            <a:r>
-              <a:rPr sz="2400" dirty="0" err="1"/>
-              <a:t>aproximación</a:t>
-            </a:r>
-            <a:r>
-              <a:rPr sz="2400" dirty="0"/>
-              <a:t> de π </a:t>
-            </a:r>
-            <a:r>
-              <a:rPr sz="2400" dirty="0" err="1"/>
-              <a:t>mediante</a:t>
-            </a:r>
-            <a:r>
-              <a:rPr sz="2400" dirty="0"/>
-              <a:t> </a:t>
-            </a:r>
-            <a:r>
-              <a:rPr sz="2400" dirty="0" err="1"/>
-              <a:t>procesamiento</a:t>
-            </a:r>
-            <a:r>
-              <a:rPr sz="2400" dirty="0"/>
-              <a:t> </a:t>
-            </a:r>
-            <a:r>
-              <a:rPr sz="2400" dirty="0" err="1"/>
-              <a:t>paralelo</a:t>
-            </a:r>
-            <a:r>
-              <a:rPr sz="2400" dirty="0"/>
-              <a:t>.</a:t>
-            </a:r>
-          </a:p>
-          <a:p>
-            <a:pPr algn="l">
-              <a:defRPr sz="1800"/>
-            </a:pPr>
-            <a:r>
-              <a:rPr sz="2400" b="1" dirty="0" err="1"/>
-              <a:t>Beneficio</a:t>
-            </a:r>
-            <a:r>
-              <a:rPr sz="2400" dirty="0"/>
-              <a:t>: </a:t>
-            </a:r>
-            <a:r>
-              <a:rPr lang="es-ES" sz="2400" dirty="0"/>
-              <a:t>Disminuir el tiempo de ejecución del algoritmo.</a:t>
-            </a:r>
             <a:endParaRPr sz="2400" dirty="0"/>
           </a:p>
         </p:txBody>
